--- a/smart-home-control.pptx
+++ b/smart-home-control.pptx
@@ -120,7 +120,8 @@
 <file path=ppt/revisionInfo.xml><?xml version="1.0" encoding="utf-8"?>
 <p1510:revInfo xmlns:a="http://schemas.openxmlformats.org/drawingml/2006/main" xmlns:r="http://schemas.openxmlformats.org/officeDocument/2006/relationships" xmlns:p1510="http://schemas.microsoft.com/office/powerpoint/2015/10/main">
   <p1510:revLst>
-    <p1510:client id="{1B922314-7B00-44ED-9D45-78AEF0484D4E}" v="157" dt="2023-05-25T19:38:41.357"/>
+    <p1510:client id="{15443DC3-39B9-FA58-B721-39D306D01B84}" v="21" dt="2023-05-25T22:30:17.170"/>
+    <p1510:client id="{1B922314-7B00-44ED-9D45-78AEF0484D4E}" v="170" dt="2023-05-25T21:53:12.070"/>
   </p1510:revLst>
 </p1510:revInfo>
 </file>
@@ -4370,6 +4371,14 @@
 <file path=ppt/slides/slide3.xml><?xml version="1.0" encoding="utf-8"?>
 <p:sld xmlns:a="http://schemas.openxmlformats.org/drawingml/2006/main" xmlns:r="http://schemas.openxmlformats.org/officeDocument/2006/relationships" xmlns:p="http://schemas.openxmlformats.org/presentationml/2006/main">
   <p:cSld>
+    <p:bg>
+      <p:bgPr>
+        <a:solidFill>
+          <a:schemeClr val="bg1"/>
+        </a:solidFill>
+        <a:effectLst/>
+      </p:bgPr>
+    </p:bg>
     <p:spTree>
       <p:nvGrpSpPr>
         <p:cNvPr id="1" name=""/>
@@ -4384,68 +4393,190 @@
           <a:chExt cx="0" cy="0"/>
         </a:xfrm>
       </p:grpSpPr>
-      <p:sp>
-        <p:nvSpPr>
-          <p:cNvPr id="2" name="Title 1">
-            <a:extLst>
-              <a:ext uri="{FF2B5EF4-FFF2-40B4-BE49-F238E27FC236}">
-                <a16:creationId xmlns:a16="http://schemas.microsoft.com/office/drawing/2014/main" id="{E182300C-F824-53EB-A54F-65C60B683413}"/>
-              </a:ext>
-            </a:extLst>
-          </p:cNvPr>
-          <p:cNvSpPr>
-            <a:spLocks noGrp="1"/>
-          </p:cNvSpPr>
-          <p:nvPr>
-            <p:ph type="title"/>
+      <p:sp useBgFill="1">
+        <p:nvSpPr>
+          <p:cNvPr id="9" name="Rectangle 8">
+            <a:extLst>
+              <a:ext uri="{FF2B5EF4-FFF2-40B4-BE49-F238E27FC236}">
+                <a16:creationId xmlns:a16="http://schemas.microsoft.com/office/drawing/2014/main" id="{8D1AA55E-40D5-461B-A5A8-4AE8AAB71B08}"/>
+              </a:ext>
+              <a:ext uri="{C183D7F6-B498-43B3-948B-1728B52AA6E4}">
+                <adec:decorative xmlns:adec="http://schemas.microsoft.com/office/drawing/2017/decorative" val="1"/>
+              </a:ext>
+            </a:extLst>
+          </p:cNvPr>
+          <p:cNvSpPr>
+            <a:spLocks noGrp="1" noRot="1" noChangeAspect="1" noMove="1" noResize="1" noEditPoints="1" noAdjustHandles="1" noChangeArrowheads="1" noChangeShapeType="1" noTextEdit="1"/>
+          </p:cNvSpPr>
+          <p:nvPr>
+            <p:extLst>
+              <p:ext uri="{386F3935-93C4-4BCD-93E2-E3B085C9AB24}">
+                <p16:designElem xmlns:p16="http://schemas.microsoft.com/office/powerpoint/2015/main" val="1"/>
+              </p:ext>
+            </p:extLst>
           </p:nvPr>
         </p:nvSpPr>
         <p:spPr>
           <a:xfrm>
-            <a:off x="838200" y="365125"/>
-            <a:ext cx="10515600" cy="882011"/>
+            <a:off x="0" y="0"/>
+            <a:ext cx="12192000" cy="6858000"/>
+          </a:xfrm>
+          <a:prstGeom prst="rect">
+            <a:avLst/>
+          </a:prstGeom>
+          <a:ln>
+            <a:noFill/>
+          </a:ln>
+        </p:spPr>
+        <p:style>
+          <a:lnRef idx="2">
+            <a:schemeClr val="accent1">
+              <a:shade val="50000"/>
+            </a:schemeClr>
+          </a:lnRef>
+          <a:fillRef idx="1">
+            <a:schemeClr val="accent1"/>
+          </a:fillRef>
+          <a:effectRef idx="0">
+            <a:schemeClr val="accent1"/>
+          </a:effectRef>
+          <a:fontRef idx="minor">
+            <a:schemeClr val="lt1"/>
+          </a:fontRef>
+        </p:style>
+        <p:txBody>
+          <a:bodyPr rtlCol="0" anchor="ctr"/>
+          <a:lstStyle/>
+          <a:p>
+            <a:pPr algn="ctr"/>
+            <a:endParaRPr lang="en-US" dirty="0"/>
+          </a:p>
+        </p:txBody>
+      </p:sp>
+      <p:sp>
+        <p:nvSpPr>
+          <p:cNvPr id="2" name="Title 1">
+            <a:extLst>
+              <a:ext uri="{FF2B5EF4-FFF2-40B4-BE49-F238E27FC236}">
+                <a16:creationId xmlns:a16="http://schemas.microsoft.com/office/drawing/2014/main" id="{E182300C-F824-53EB-A54F-65C60B683413}"/>
+              </a:ext>
+            </a:extLst>
+          </p:cNvPr>
+          <p:cNvSpPr>
+            <a:spLocks noGrp="1"/>
+          </p:cNvSpPr>
+          <p:nvPr>
+            <p:ph type="title"/>
+          </p:nvPr>
+        </p:nvSpPr>
+        <p:spPr>
+          <a:xfrm>
+            <a:off x="803776" y="1086181"/>
+            <a:ext cx="6190412" cy="1182927"/>
           </a:xfrm>
         </p:spPr>
         <p:txBody>
-          <a:bodyPr>
-            <a:normAutofit fontScale="90000"/>
+          <a:bodyPr anchor="b">
+            <a:normAutofit/>
           </a:bodyPr>
           <a:lstStyle/>
           <a:p>
             <a:r>
-              <a:rPr lang="en-US" dirty="0">
+              <a:rPr lang="en-US" sz="3800">
                 <a:latin typeface="Arial Nova"/>
                 <a:ea typeface="+mj-lt"/>
                 <a:cs typeface="+mj-lt"/>
               </a:rPr>
               <a:t>Understanding Smart Home Technology</a:t>
             </a:r>
-            <a:endParaRPr lang="en-US">
+            <a:endParaRPr lang="en-US" sz="3800">
               <a:latin typeface="Arial Nova"/>
             </a:endParaRPr>
           </a:p>
         </p:txBody>
       </p:sp>
-      <p:sp>
-        <p:nvSpPr>
-          <p:cNvPr id="3" name="Content Placeholder 2">
-            <a:extLst>
-              <a:ext uri="{FF2B5EF4-FFF2-40B4-BE49-F238E27FC236}">
-                <a16:creationId xmlns:a16="http://schemas.microsoft.com/office/drawing/2014/main" id="{564D3642-F94E-7C40-9B46-349B8B2988CF}"/>
-              </a:ext>
-            </a:extLst>
-          </p:cNvPr>
-          <p:cNvSpPr>
-            <a:spLocks noGrp="1"/>
-          </p:cNvSpPr>
-          <p:nvPr>
-            <p:ph idx="1"/>
-          </p:nvPr>
-        </p:nvSpPr>
+      <p:cxnSp>
+        <p:nvCxnSpPr>
+          <p:cNvPr id="11" name="!!Straight Connector">
+            <a:extLst>
+              <a:ext uri="{FF2B5EF4-FFF2-40B4-BE49-F238E27FC236}">
+                <a16:creationId xmlns:a16="http://schemas.microsoft.com/office/drawing/2014/main" id="{7EB498BD-8089-4626-91EA-4978EBEF535E}"/>
+              </a:ext>
+              <a:ext uri="{C183D7F6-B498-43B3-948B-1728B52AA6E4}">
+                <adec:decorative xmlns:adec="http://schemas.microsoft.com/office/drawing/2017/decorative" val="1"/>
+              </a:ext>
+            </a:extLst>
+          </p:cNvPr>
+          <p:cNvCxnSpPr>
+            <a:cxnSpLocks noGrp="1" noRot="1" noChangeAspect="1" noMove="1" noResize="1" noEditPoints="1" noAdjustHandles="1" noChangeArrowheads="1" noChangeShapeType="1"/>
+          </p:cNvCxnSpPr>
+          <p:nvPr>
+            <p:extLst>
+              <p:ext uri="{386F3935-93C4-4BCD-93E2-E3B085C9AB24}">
+                <p16:designElem xmlns:p16="http://schemas.microsoft.com/office/powerpoint/2015/main" val="1"/>
+              </p:ext>
+            </p:extLst>
+          </p:nvPr>
+        </p:nvCxnSpPr>
         <p:spPr>
           <a:xfrm>
-            <a:off x="838200" y="1404820"/>
-            <a:ext cx="10515600" cy="4772143"/>
+            <a:off x="0" y="806470"/>
+            <a:ext cx="7903723" cy="0"/>
+          </a:xfrm>
+          <a:prstGeom prst="line">
+            <a:avLst/>
+          </a:prstGeom>
+          <a:ln w="25400" cap="sq">
+            <a:gradFill flip="none" rotWithShape="1">
+              <a:gsLst>
+                <a:gs pos="0">
+                  <a:schemeClr val="accent2"/>
+                </a:gs>
+                <a:gs pos="100000">
+                  <a:schemeClr val="accent4"/>
+                </a:gs>
+              </a:gsLst>
+              <a:lin ang="10800000" scaled="1"/>
+              <a:tileRect/>
+            </a:gradFill>
+            <a:bevel/>
+          </a:ln>
+        </p:spPr>
+        <p:style>
+          <a:lnRef idx="1">
+            <a:schemeClr val="accent1"/>
+          </a:lnRef>
+          <a:fillRef idx="0">
+            <a:schemeClr val="accent1"/>
+          </a:fillRef>
+          <a:effectRef idx="0">
+            <a:schemeClr val="accent1"/>
+          </a:effectRef>
+          <a:fontRef idx="minor">
+            <a:schemeClr val="tx1"/>
+          </a:fontRef>
+        </p:style>
+      </p:cxnSp>
+      <p:sp>
+        <p:nvSpPr>
+          <p:cNvPr id="3" name="Content Placeholder 2">
+            <a:extLst>
+              <a:ext uri="{FF2B5EF4-FFF2-40B4-BE49-F238E27FC236}">
+                <a16:creationId xmlns:a16="http://schemas.microsoft.com/office/drawing/2014/main" id="{564D3642-F94E-7C40-9B46-349B8B2988CF}"/>
+              </a:ext>
+            </a:extLst>
+          </p:cNvPr>
+          <p:cNvSpPr>
+            <a:spLocks noGrp="1"/>
+          </p:cNvSpPr>
+          <p:nvPr>
+            <p:ph idx="1"/>
+          </p:nvPr>
+        </p:nvSpPr>
+        <p:spPr>
+          <a:xfrm>
+            <a:off x="803776" y="2408525"/>
+            <a:ext cx="7543813" cy="4049592"/>
           </a:xfrm>
         </p:spPr>
         <p:txBody>
@@ -4454,13 +4585,8 @@
           </a:bodyPr>
           <a:lstStyle/>
           <a:p>
-            <a:pPr>
-              <a:lnSpc>
-                <a:spcPct val="110000"/>
-              </a:lnSpc>
-            </a:pPr>
-            <a:r>
-              <a:rPr lang="en-US" sz="1900" dirty="0">
+            <a:r>
+              <a:rPr lang="en-US" sz="1600" dirty="0">
                 <a:latin typeface="Arial"/>
                 <a:ea typeface="+mn-lt"/>
                 <a:cs typeface="+mn-lt"/>
@@ -4470,7 +4596,7 @@
           </a:p>
           <a:p>
             <a:r>
-              <a:rPr lang="en-US" sz="1900" dirty="0">
+              <a:rPr lang="en-US" sz="1600" dirty="0">
                 <a:latin typeface="Arial"/>
                 <a:ea typeface="+mn-lt"/>
                 <a:cs typeface="+mn-lt"/>
@@ -4481,7 +4607,7 @@
           <a:p>
             <a:pPr lvl="1"/>
             <a:r>
-              <a:rPr lang="en-US" sz="1900" b="1" dirty="0">
+              <a:rPr lang="en-US" sz="1600" b="1" dirty="0">
                 <a:latin typeface="Arial"/>
                 <a:ea typeface="+mn-lt"/>
                 <a:cs typeface="+mn-lt"/>
@@ -4489,14 +4615,14 @@
               <a:t>Smart Speakers and Voice Assistants</a:t>
             </a:r>
             <a:r>
-              <a:rPr lang="en-US" sz="1900" dirty="0">
+              <a:rPr lang="en-US" sz="1600" dirty="0">
                 <a:latin typeface="Arial"/>
                 <a:ea typeface="+mn-lt"/>
                 <a:cs typeface="+mn-lt"/>
               </a:rPr>
               <a:t>: Central hubs for voice control and device integration.</a:t>
             </a:r>
-            <a:endParaRPr lang="en-US" sz="1900">
+            <a:endParaRPr lang="en-US" sz="1600">
               <a:latin typeface="Arial"/>
               <a:cs typeface="Arial"/>
             </a:endParaRPr>
@@ -4504,7 +4630,7 @@
           <a:p>
             <a:pPr lvl="1"/>
             <a:r>
-              <a:rPr lang="en-US" sz="1900" b="1" dirty="0">
+              <a:rPr lang="en-US" sz="1600" b="1" dirty="0">
                 <a:latin typeface="Arial"/>
                 <a:ea typeface="+mn-lt"/>
                 <a:cs typeface="+mn-lt"/>
@@ -4512,7 +4638,7 @@
               <a:t>Smart Lighting and Switches</a:t>
             </a:r>
             <a:r>
-              <a:rPr lang="en-US" sz="1900" dirty="0">
+              <a:rPr lang="en-US" sz="1600" dirty="0">
                 <a:latin typeface="Arial"/>
                 <a:ea typeface="+mn-lt"/>
                 <a:cs typeface="+mn-lt"/>
@@ -4523,7 +4649,7 @@
           <a:p>
             <a:pPr lvl="1"/>
             <a:r>
-              <a:rPr lang="en-US" sz="1900" b="1" dirty="0">
+              <a:rPr lang="en-US" sz="1600" b="1" dirty="0">
                 <a:latin typeface="Arial"/>
                 <a:ea typeface="+mn-lt"/>
                 <a:cs typeface="+mn-lt"/>
@@ -4531,7 +4657,7 @@
               <a:t>Smart Thermostats and Climate Control</a:t>
             </a:r>
             <a:r>
-              <a:rPr lang="en-US" sz="1900" dirty="0">
+              <a:rPr lang="en-US" sz="1600" dirty="0">
                 <a:latin typeface="Arial"/>
                 <a:ea typeface="+mn-lt"/>
                 <a:cs typeface="+mn-lt"/>
@@ -4542,7 +4668,7 @@
           <a:p>
             <a:pPr lvl="1"/>
             <a:r>
-              <a:rPr lang="en-US" sz="1900" b="1" dirty="0">
+              <a:rPr lang="en-US" sz="1600" b="1" dirty="0">
                 <a:latin typeface="Arial"/>
                 <a:ea typeface="+mn-lt"/>
                 <a:cs typeface="+mn-lt"/>
@@ -4550,7 +4676,7 @@
               <a:t>Smart Security Systems</a:t>
             </a:r>
             <a:r>
-              <a:rPr lang="en-US" sz="1900" dirty="0">
+              <a:rPr lang="en-US" sz="1600" dirty="0">
                 <a:latin typeface="Arial"/>
                 <a:ea typeface="+mn-lt"/>
                 <a:cs typeface="+mn-lt"/>
@@ -4561,7 +4687,7 @@
           <a:p>
             <a:pPr lvl="1"/>
             <a:r>
-              <a:rPr lang="en-US" sz="1900" b="1" dirty="0">
+              <a:rPr lang="en-US" sz="1600" b="1" dirty="0">
                 <a:latin typeface="Arial"/>
                 <a:ea typeface="+mn-lt"/>
                 <a:cs typeface="+mn-lt"/>
@@ -4569,14 +4695,14 @@
               <a:t>Smart Locks and Access Control</a:t>
             </a:r>
             <a:r>
-              <a:rPr lang="en-US" sz="1900" dirty="0">
+              <a:rPr lang="en-US" sz="1600" dirty="0">
                 <a:latin typeface="Arial"/>
                 <a:ea typeface="+mn-lt"/>
                 <a:cs typeface="+mn-lt"/>
               </a:rPr>
               <a:t>: Secure and convenient entry management.</a:t>
             </a:r>
-            <a:endParaRPr lang="en-US" sz="1900">
+            <a:endParaRPr lang="en-US" sz="1600">
               <a:latin typeface="Arial"/>
               <a:cs typeface="Arial"/>
             </a:endParaRPr>
@@ -4584,7 +4710,7 @@
           <a:p>
             <a:pPr lvl="1"/>
             <a:r>
-              <a:rPr lang="en-US" sz="1900" b="1" dirty="0">
+              <a:rPr lang="en-US" sz="1600" b="1" dirty="0">
                 <a:latin typeface="Arial"/>
                 <a:ea typeface="+mn-lt"/>
                 <a:cs typeface="+mn-lt"/>
@@ -4592,26 +4718,22 @@
               <a:t>Smart Appliances</a:t>
             </a:r>
             <a:r>
-              <a:rPr lang="en-US" sz="1900" dirty="0">
+              <a:rPr lang="en-US" sz="1600" dirty="0">
                 <a:latin typeface="Arial"/>
                 <a:ea typeface="+mn-lt"/>
                 <a:cs typeface="+mn-lt"/>
               </a:rPr>
               <a:t>: Connected appliances for remote operation and energy monitoring.</a:t>
             </a:r>
-            <a:endParaRPr lang="en-US" sz="1900">
+            <a:endParaRPr lang="en-US" sz="1600">
               <a:latin typeface="Arial"/>
               <a:cs typeface="Arial"/>
             </a:endParaRPr>
           </a:p>
           <a:p>
-            <a:pPr lvl="1">
-              <a:lnSpc>
-                <a:spcPct val="110000"/>
-              </a:lnSpc>
-            </a:pPr>
-            <a:r>
-              <a:rPr lang="en-US" sz="1900" b="1" dirty="0">
+            <a:pPr lvl="1"/>
+            <a:r>
+              <a:rPr lang="en-US" sz="1600" b="1" dirty="0">
                 <a:latin typeface="Arial"/>
                 <a:ea typeface="+mn-lt"/>
                 <a:cs typeface="+mn-lt"/>
@@ -4619,13 +4741,392 @@
               <a:t>Home Automation Hubs</a:t>
             </a:r>
             <a:r>
-              <a:rPr lang="en-US" sz="1900" dirty="0">
+              <a:rPr lang="en-US" sz="1600" dirty="0">
                 <a:latin typeface="Arial"/>
                 <a:ea typeface="+mn-lt"/>
                 <a:cs typeface="+mn-lt"/>
               </a:rPr>
               <a:t>: Centralized control and integration of various smart devices.</a:t>
             </a:r>
+          </a:p>
+        </p:txBody>
+      </p:sp>
+      <p:pic>
+        <p:nvPicPr>
+          <p:cNvPr id="4" name="Picture 4" descr="Graphical user interface, application&#10;&#10;Description automatically generated">
+            <a:extLst>
+              <a:ext uri="{FF2B5EF4-FFF2-40B4-BE49-F238E27FC236}">
+                <a16:creationId xmlns:a16="http://schemas.microsoft.com/office/drawing/2014/main" id="{5A287886-6CB1-7343-519B-62F2EE139C56}"/>
+              </a:ext>
+            </a:extLst>
+          </p:cNvPr>
+          <p:cNvPicPr>
+            <a:picLocks noChangeAspect="1"/>
+          </p:cNvPicPr>
+          <p:nvPr/>
+        </p:nvPicPr>
+        <p:blipFill rotWithShape="1">
+          <a:blip r:embed="rId2"/>
+          <a:srcRect l="10590" r="22661" b="2"/>
+          <a:stretch/>
+        </p:blipFill>
+        <p:spPr>
+          <a:xfrm>
+            <a:off x="8452799" y="2404773"/>
+            <a:ext cx="3551139" cy="3528391"/>
+          </a:xfrm>
+          <a:custGeom>
+            <a:avLst/>
+            <a:gdLst/>
+            <a:ahLst/>
+            <a:cxnLst/>
+            <a:rect l="l" t="t" r="r" b="b"/>
+            <a:pathLst>
+              <a:path w="2457864" h="2457864">
+                <a:moveTo>
+                  <a:pt x="1228932" y="0"/>
+                </a:moveTo>
+                <a:cubicBezTo>
+                  <a:pt x="1907652" y="0"/>
+                  <a:pt x="2457864" y="550212"/>
+                  <a:pt x="2457864" y="1228932"/>
+                </a:cubicBezTo>
+                <a:cubicBezTo>
+                  <a:pt x="2457864" y="1907652"/>
+                  <a:pt x="1907652" y="2457864"/>
+                  <a:pt x="1228932" y="2457864"/>
+                </a:cubicBezTo>
+                <a:cubicBezTo>
+                  <a:pt x="550212" y="2457864"/>
+                  <a:pt x="0" y="1907652"/>
+                  <a:pt x="0" y="1228932"/>
+                </a:cubicBezTo>
+                <a:cubicBezTo>
+                  <a:pt x="0" y="550212"/>
+                  <a:pt x="550212" y="0"/>
+                  <a:pt x="1228932" y="0"/>
+                </a:cubicBezTo>
+                <a:close/>
+              </a:path>
+            </a:pathLst>
+          </a:custGeom>
+        </p:spPr>
+      </p:pic>
+      <p:sp>
+        <p:nvSpPr>
+          <p:cNvPr id="13" name="!!plus graphic">
+            <a:extLst>
+              <a:ext uri="{FF2B5EF4-FFF2-40B4-BE49-F238E27FC236}">
+                <a16:creationId xmlns:a16="http://schemas.microsoft.com/office/drawing/2014/main" id="{6CB927A4-E432-4310-9CD5-E89FF5063179}"/>
+              </a:ext>
+              <a:ext uri="{C183D7F6-B498-43B3-948B-1728B52AA6E4}">
+                <adec:decorative xmlns:adec="http://schemas.microsoft.com/office/drawing/2017/decorative" val="1"/>
+              </a:ext>
+            </a:extLst>
+          </p:cNvPr>
+          <p:cNvSpPr>
+            <a:spLocks noGrp="1" noRot="1" noChangeAspect="1" noMove="1" noResize="1" noEditPoints="1" noAdjustHandles="1" noChangeArrowheads="1" noChangeShapeType="1" noTextEdit="1"/>
+          </p:cNvSpPr>
+          <p:nvPr>
+            <p:extLst>
+              <p:ext uri="{386F3935-93C4-4BCD-93E2-E3B085C9AB24}">
+                <p16:designElem xmlns:p16="http://schemas.microsoft.com/office/powerpoint/2015/main" val="1"/>
+              </p:ext>
+            </p:extLst>
+          </p:nvPr>
+        </p:nvSpPr>
+        <p:spPr>
+          <a:xfrm>
+            <a:off x="10969280" y="1780012"/>
+            <a:ext cx="139039" cy="139039"/>
+          </a:xfrm>
+          <a:custGeom>
+            <a:avLst/>
+            <a:gdLst>
+              <a:gd name="connsiteX0" fmla="*/ 129602 w 139039"/>
+              <a:gd name="connsiteY0" fmla="*/ 60082 h 139039"/>
+              <a:gd name="connsiteX1" fmla="*/ 78957 w 139039"/>
+              <a:gd name="connsiteY1" fmla="*/ 60082 h 139039"/>
+              <a:gd name="connsiteX2" fmla="*/ 78957 w 139039"/>
+              <a:gd name="connsiteY2" fmla="*/ 9437 h 139039"/>
+              <a:gd name="connsiteX3" fmla="*/ 69520 w 139039"/>
+              <a:gd name="connsiteY3" fmla="*/ 0 h 139039"/>
+              <a:gd name="connsiteX4" fmla="*/ 60082 w 139039"/>
+              <a:gd name="connsiteY4" fmla="*/ 9437 h 139039"/>
+              <a:gd name="connsiteX5" fmla="*/ 60082 w 139039"/>
+              <a:gd name="connsiteY5" fmla="*/ 60082 h 139039"/>
+              <a:gd name="connsiteX6" fmla="*/ 9437 w 139039"/>
+              <a:gd name="connsiteY6" fmla="*/ 60082 h 139039"/>
+              <a:gd name="connsiteX7" fmla="*/ 0 w 139039"/>
+              <a:gd name="connsiteY7" fmla="*/ 69520 h 139039"/>
+              <a:gd name="connsiteX8" fmla="*/ 9437 w 139039"/>
+              <a:gd name="connsiteY8" fmla="*/ 78957 h 139039"/>
+              <a:gd name="connsiteX9" fmla="*/ 60082 w 139039"/>
+              <a:gd name="connsiteY9" fmla="*/ 78957 h 139039"/>
+              <a:gd name="connsiteX10" fmla="*/ 60082 w 139039"/>
+              <a:gd name="connsiteY10" fmla="*/ 129602 h 139039"/>
+              <a:gd name="connsiteX11" fmla="*/ 69520 w 139039"/>
+              <a:gd name="connsiteY11" fmla="*/ 139039 h 139039"/>
+              <a:gd name="connsiteX12" fmla="*/ 78957 w 139039"/>
+              <a:gd name="connsiteY12" fmla="*/ 129602 h 139039"/>
+              <a:gd name="connsiteX13" fmla="*/ 78957 w 139039"/>
+              <a:gd name="connsiteY13" fmla="*/ 78957 h 139039"/>
+              <a:gd name="connsiteX14" fmla="*/ 129602 w 139039"/>
+              <a:gd name="connsiteY14" fmla="*/ 78957 h 139039"/>
+              <a:gd name="connsiteX15" fmla="*/ 139039 w 139039"/>
+              <a:gd name="connsiteY15" fmla="*/ 69520 h 139039"/>
+              <a:gd name="connsiteX16" fmla="*/ 129602 w 139039"/>
+              <a:gd name="connsiteY16" fmla="*/ 60082 h 139039"/>
+            </a:gdLst>
+            <a:ahLst/>
+            <a:cxnLst>
+              <a:cxn ang="0">
+                <a:pos x="connsiteX0" y="connsiteY0"/>
+              </a:cxn>
+              <a:cxn ang="0">
+                <a:pos x="connsiteX1" y="connsiteY1"/>
+              </a:cxn>
+              <a:cxn ang="0">
+                <a:pos x="connsiteX2" y="connsiteY2"/>
+              </a:cxn>
+              <a:cxn ang="0">
+                <a:pos x="connsiteX3" y="connsiteY3"/>
+              </a:cxn>
+              <a:cxn ang="0">
+                <a:pos x="connsiteX4" y="connsiteY4"/>
+              </a:cxn>
+              <a:cxn ang="0">
+                <a:pos x="connsiteX5" y="connsiteY5"/>
+              </a:cxn>
+              <a:cxn ang="0">
+                <a:pos x="connsiteX6" y="connsiteY6"/>
+              </a:cxn>
+              <a:cxn ang="0">
+                <a:pos x="connsiteX7" y="connsiteY7"/>
+              </a:cxn>
+              <a:cxn ang="0">
+                <a:pos x="connsiteX8" y="connsiteY8"/>
+              </a:cxn>
+              <a:cxn ang="0">
+                <a:pos x="connsiteX9" y="connsiteY9"/>
+              </a:cxn>
+              <a:cxn ang="0">
+                <a:pos x="connsiteX10" y="connsiteY10"/>
+              </a:cxn>
+              <a:cxn ang="0">
+                <a:pos x="connsiteX11" y="connsiteY11"/>
+              </a:cxn>
+              <a:cxn ang="0">
+                <a:pos x="connsiteX12" y="connsiteY12"/>
+              </a:cxn>
+              <a:cxn ang="0">
+                <a:pos x="connsiteX13" y="connsiteY13"/>
+              </a:cxn>
+              <a:cxn ang="0">
+                <a:pos x="connsiteX14" y="connsiteY14"/>
+              </a:cxn>
+              <a:cxn ang="0">
+                <a:pos x="connsiteX15" y="connsiteY15"/>
+              </a:cxn>
+              <a:cxn ang="0">
+                <a:pos x="connsiteX16" y="connsiteY16"/>
+              </a:cxn>
+            </a:cxnLst>
+            <a:rect l="l" t="t" r="r" b="b"/>
+            <a:pathLst>
+              <a:path w="139039" h="139039">
+                <a:moveTo>
+                  <a:pt x="129602" y="60082"/>
+                </a:moveTo>
+                <a:lnTo>
+                  <a:pt x="78957" y="60082"/>
+                </a:lnTo>
+                <a:lnTo>
+                  <a:pt x="78957" y="9437"/>
+                </a:lnTo>
+                <a:cubicBezTo>
+                  <a:pt x="78957" y="4225"/>
+                  <a:pt x="74731" y="0"/>
+                  <a:pt x="69520" y="0"/>
+                </a:cubicBezTo>
+                <a:cubicBezTo>
+                  <a:pt x="64308" y="0"/>
+                  <a:pt x="60082" y="4225"/>
+                  <a:pt x="60082" y="9437"/>
+                </a:cubicBezTo>
+                <a:lnTo>
+                  <a:pt x="60082" y="60082"/>
+                </a:lnTo>
+                <a:lnTo>
+                  <a:pt x="9437" y="60082"/>
+                </a:lnTo>
+                <a:cubicBezTo>
+                  <a:pt x="4225" y="60082"/>
+                  <a:pt x="0" y="64308"/>
+                  <a:pt x="0" y="69520"/>
+                </a:cubicBezTo>
+                <a:cubicBezTo>
+                  <a:pt x="0" y="74731"/>
+                  <a:pt x="4225" y="78957"/>
+                  <a:pt x="9437" y="78957"/>
+                </a:cubicBezTo>
+                <a:lnTo>
+                  <a:pt x="60082" y="78957"/>
+                </a:lnTo>
+                <a:lnTo>
+                  <a:pt x="60082" y="129602"/>
+                </a:lnTo>
+                <a:cubicBezTo>
+                  <a:pt x="60082" y="134814"/>
+                  <a:pt x="64308" y="139039"/>
+                  <a:pt x="69520" y="139039"/>
+                </a:cubicBezTo>
+                <a:cubicBezTo>
+                  <a:pt x="74731" y="139039"/>
+                  <a:pt x="78957" y="134814"/>
+                  <a:pt x="78957" y="129602"/>
+                </a:cubicBezTo>
+                <a:lnTo>
+                  <a:pt x="78957" y="78957"/>
+                </a:lnTo>
+                <a:lnTo>
+                  <a:pt x="129602" y="78957"/>
+                </a:lnTo>
+                <a:cubicBezTo>
+                  <a:pt x="134814" y="78957"/>
+                  <a:pt x="139039" y="74731"/>
+                  <a:pt x="139039" y="69520"/>
+                </a:cubicBezTo>
+                <a:cubicBezTo>
+                  <a:pt x="139039" y="64308"/>
+                  <a:pt x="134814" y="60082"/>
+                  <a:pt x="129602" y="60082"/>
+                </a:cubicBezTo>
+                <a:close/>
+              </a:path>
+            </a:pathLst>
+          </a:custGeom>
+          <a:solidFill>
+            <a:schemeClr val="accent2"/>
+          </a:solidFill>
+          <a:ln w="603" cap="flat">
+            <a:noFill/>
+            <a:prstDash val="solid"/>
+            <a:miter/>
+          </a:ln>
+        </p:spPr>
+        <p:txBody>
+          <a:bodyPr rtlCol="0" anchor="ctr"/>
+          <a:lstStyle/>
+          <a:p>
+            <a:endParaRPr lang="en-US"/>
+          </a:p>
+        </p:txBody>
+      </p:sp>
+      <p:sp>
+        <p:nvSpPr>
+          <p:cNvPr id="15" name="!!dot graphic">
+            <a:extLst>
+              <a:ext uri="{FF2B5EF4-FFF2-40B4-BE49-F238E27FC236}">
+                <a16:creationId xmlns:a16="http://schemas.microsoft.com/office/drawing/2014/main" id="{E3020543-B24B-4EC4-8FFC-8DD88EEA91A8}"/>
+              </a:ext>
+              <a:ext uri="{C183D7F6-B498-43B3-948B-1728B52AA6E4}">
+                <adec:decorative xmlns:adec="http://schemas.microsoft.com/office/drawing/2017/decorative" val="1"/>
+              </a:ext>
+            </a:extLst>
+          </p:cNvPr>
+          <p:cNvSpPr>
+            <a:spLocks noGrp="1" noRot="1" noChangeAspect="1" noMove="1" noResize="1" noEditPoints="1" noAdjustHandles="1" noChangeArrowheads="1" noChangeShapeType="1" noTextEdit="1"/>
+          </p:cNvSpPr>
+          <p:nvPr>
+            <p:extLst>
+              <p:ext uri="{386F3935-93C4-4BCD-93E2-E3B085C9AB24}">
+                <p16:designElem xmlns:p16="http://schemas.microsoft.com/office/powerpoint/2015/main" val="1"/>
+              </p:ext>
+            </p:extLst>
+          </p:nvPr>
+        </p:nvSpPr>
+        <p:spPr>
+          <a:xfrm>
+            <a:off x="11281590" y="2070656"/>
+            <a:ext cx="91138" cy="91138"/>
+          </a:xfrm>
+          <a:custGeom>
+            <a:avLst/>
+            <a:gdLst>
+              <a:gd name="connsiteX0" fmla="*/ 91138 w 91138"/>
+              <a:gd name="connsiteY0" fmla="*/ 45569 h 91138"/>
+              <a:gd name="connsiteX1" fmla="*/ 45569 w 91138"/>
+              <a:gd name="connsiteY1" fmla="*/ 91138 h 91138"/>
+              <a:gd name="connsiteX2" fmla="*/ 0 w 91138"/>
+              <a:gd name="connsiteY2" fmla="*/ 45569 h 91138"/>
+              <a:gd name="connsiteX3" fmla="*/ 45569 w 91138"/>
+              <a:gd name="connsiteY3" fmla="*/ 0 h 91138"/>
+              <a:gd name="connsiteX4" fmla="*/ 91138 w 91138"/>
+              <a:gd name="connsiteY4" fmla="*/ 45569 h 91138"/>
+            </a:gdLst>
+            <a:ahLst/>
+            <a:cxnLst>
+              <a:cxn ang="0">
+                <a:pos x="connsiteX0" y="connsiteY0"/>
+              </a:cxn>
+              <a:cxn ang="0">
+                <a:pos x="connsiteX1" y="connsiteY1"/>
+              </a:cxn>
+              <a:cxn ang="0">
+                <a:pos x="connsiteX2" y="connsiteY2"/>
+              </a:cxn>
+              <a:cxn ang="0">
+                <a:pos x="connsiteX3" y="connsiteY3"/>
+              </a:cxn>
+              <a:cxn ang="0">
+                <a:pos x="connsiteX4" y="connsiteY4"/>
+              </a:cxn>
+            </a:cxnLst>
+            <a:rect l="l" t="t" r="r" b="b"/>
+            <a:pathLst>
+              <a:path w="91138" h="91138">
+                <a:moveTo>
+                  <a:pt x="91138" y="45569"/>
+                </a:moveTo>
+                <a:cubicBezTo>
+                  <a:pt x="91138" y="70736"/>
+                  <a:pt x="70736" y="91138"/>
+                  <a:pt x="45569" y="91138"/>
+                </a:cubicBezTo>
+                <a:cubicBezTo>
+                  <a:pt x="20402" y="91138"/>
+                  <a:pt x="0" y="70736"/>
+                  <a:pt x="0" y="45569"/>
+                </a:cubicBezTo>
+                <a:cubicBezTo>
+                  <a:pt x="0" y="20402"/>
+                  <a:pt x="20402" y="0"/>
+                  <a:pt x="45569" y="0"/>
+                </a:cubicBezTo>
+                <a:cubicBezTo>
+                  <a:pt x="70736" y="0"/>
+                  <a:pt x="91138" y="20402"/>
+                  <a:pt x="91138" y="45569"/>
+                </a:cubicBezTo>
+                <a:close/>
+              </a:path>
+            </a:pathLst>
+          </a:custGeom>
+          <a:solidFill>
+            <a:schemeClr val="accent2"/>
+          </a:solidFill>
+          <a:ln w="422" cap="flat">
+            <a:noFill/>
+            <a:prstDash val="solid"/>
+            <a:miter/>
+          </a:ln>
+        </p:spPr>
+        <p:txBody>
+          <a:bodyPr rtlCol="0" anchor="ctr"/>
+          <a:lstStyle/>
+          <a:p>
+            <a:endParaRPr lang="en-US"/>
           </a:p>
         </p:txBody>
       </p:sp>
